--- a/first_delivery/1st_delivery_presentation.pptx
+++ b/first_delivery/1st_delivery_presentation.pptx
@@ -11377,7 +11377,41 @@
             </a:pPr>
             <a:r>
               <a:rPr lang="en-GB" sz="1100"/>
-              <a:t>-Yet to figure out. </a:t>
+              <a:t>There are mainly two limits:</a:t>
+            </a:r>
+            <a:endParaRPr sz="1100"/>
+          </a:p>
+          <a:p>
+            <a:pPr indent="-298450" lvl="0" marL="457200" rtl="0" algn="just">
+              <a:spcBef>
+                <a:spcPts val="0"/>
+              </a:spcBef>
+              <a:spcAft>
+                <a:spcPts val="0"/>
+              </a:spcAft>
+              <a:buSzPts val="1100"/>
+              <a:buChar char="-"/>
+            </a:pPr>
+            <a:r>
+              <a:rPr lang="en-GB" sz="1100"/>
+              <a:t>A (lenient) real time constraint</a:t>
+            </a:r>
+            <a:endParaRPr sz="1100"/>
+          </a:p>
+          <a:p>
+            <a:pPr indent="-298450" lvl="0" marL="457200" rtl="0" algn="just">
+              <a:spcBef>
+                <a:spcPts val="0"/>
+              </a:spcBef>
+              <a:spcAft>
+                <a:spcPts val="0"/>
+              </a:spcAft>
+              <a:buSzPts val="1100"/>
+              <a:buChar char="-"/>
+            </a:pPr>
+            <a:r>
+              <a:rPr lang="en-GB" sz="1100"/>
+              <a:t>A power management constraint </a:t>
             </a:r>
             <a:endParaRPr sz="1100"/>
           </a:p>
